--- a/deliverables/challenge/Data_Modeling.pptx
+++ b/deliverables/challenge/Data_Modeling.pptx
@@ -21,28 +21,28 @@
   <p:notesSz cx="7315200" cy="9601200"/>
   <p:embeddedFontLst>
     <p:embeddedFont>
-      <p:font typeface="Corbel" panose="020B0503020204020204" pitchFamily="34" charset="0"/>
+      <p:font typeface="Verdana" panose="020B0604030504040204" pitchFamily="34" charset="0"/>
       <p:regular r:id="rId11"/>
       <p:bold r:id="rId12"/>
       <p:italic r:id="rId13"/>
       <p:boldItalic r:id="rId14"/>
     </p:embeddedFont>
     <p:embeddedFont>
-      <p:font typeface="Roboto" panose="020B0604020202020204" charset="0"/>
+      <p:font typeface="Calibri" panose="020F0502020204030204" pitchFamily="34" charset="0"/>
       <p:regular r:id="rId15"/>
       <p:bold r:id="rId16"/>
       <p:italic r:id="rId17"/>
       <p:boldItalic r:id="rId18"/>
     </p:embeddedFont>
     <p:embeddedFont>
-      <p:font typeface="Verdana" panose="020B0604030504040204" pitchFamily="34" charset="0"/>
+      <p:font typeface="Roboto" panose="020B0604020202020204" charset="0"/>
       <p:regular r:id="rId19"/>
       <p:bold r:id="rId20"/>
       <p:italic r:id="rId21"/>
       <p:boldItalic r:id="rId22"/>
     </p:embeddedFont>
     <p:embeddedFont>
-      <p:font typeface="Calibri" panose="020F0502020204030204" pitchFamily="34" charset="0"/>
+      <p:font typeface="Corbel" panose="020B0503020204020204" pitchFamily="34" charset="0"/>
       <p:regular r:id="rId23"/>
       <p:bold r:id="rId24"/>
       <p:italic r:id="rId25"/>
@@ -283,7 +283,7 @@
       <p15:sldGuideLst xmlns:p15="http://schemas.microsoft.com/office/powerpoint/2012/main"/>
     </p:ext>
     <p:ext uri="GoogleSlidesCustomDataVersion2">
-      <go:slidesCustomData xmlns:go="http://customooxmlschemas.google.com/" xmlns:ahyp="http://schemas.microsoft.com/office/drawing/2018/hyperlinkcolor" xmlns:p15="http://schemas.microsoft.com/office/powerpoint/2012/main" xmlns:p14="http://schemas.microsoft.com/office/powerpoint/2010/main" xmlns:com="http://schemas.openxmlformats.org/drawingml/2006/compatibility" xmlns:pvml="urn:schemas-microsoft-com:office:powerpoint" xmlns:v="urn:schemas-microsoft-com:vml" xmlns:o="urn:schemas-microsoft-com:office:office" xmlns:dgm="http://schemas.openxmlformats.org/drawingml/2006/diagram" xmlns:c="http://schemas.openxmlformats.org/drawingml/2006/chart" xmlns:mv="urn:schemas-microsoft-com:mac:vml" xmlns:mc="http://schemas.openxmlformats.org/markup-compatibility/2006" xmlns="" r:id="rId59" roundtripDataSignature="AMtx7miLeXnOSC5te5iCEYk6nTYXxnMUew=="/>
+      <go:slidesCustomData xmlns="" xmlns:mc="http://schemas.openxmlformats.org/markup-compatibility/2006" xmlns:mv="urn:schemas-microsoft-com:mac:vml" xmlns:c="http://schemas.openxmlformats.org/drawingml/2006/chart" xmlns:dgm="http://schemas.openxmlformats.org/drawingml/2006/diagram" xmlns:o="urn:schemas-microsoft-com:office:office" xmlns:v="urn:schemas-microsoft-com:vml" xmlns:pvml="urn:schemas-microsoft-com:office:powerpoint" xmlns:com="http://schemas.openxmlformats.org/drawingml/2006/compatibility" xmlns:p14="http://schemas.microsoft.com/office/powerpoint/2010/main" xmlns:p15="http://schemas.microsoft.com/office/powerpoint/2012/main" xmlns:ahyp="http://schemas.microsoft.com/office/drawing/2018/hyperlinkcolor" xmlns:go="http://customooxmlschemas.google.com/" r:id="rId59" roundtripDataSignature="AMtx7miLeXnOSC5te5iCEYk6nTYXxnMUew=="/>
     </p:ext>
   </p:extLst>
 </p:presentation>
@@ -45137,7 +45137,7 @@
               </a14:hiddenLine>
             </a:ext>
             <a:ext uri="{FAA26D3D-D897-4be2-8F04-BA451C77F1D7}">
-              <ma14:placeholderFlag xmlns="" xmlns:ma14="http://schemas.microsoft.com/office/mac/drawingml/2011/main" val="1"/>
+              <ma14:placeholderFlag xmlns:ma14="http://schemas.microsoft.com/office/mac/drawingml/2011/main" xmlns="" val="1"/>
             </a:ext>
           </a:extLst>
         </p:spPr>
@@ -45199,7 +45199,7 @@
               </a14:hiddenLine>
             </a:ext>
             <a:ext uri="{FAA26D3D-D897-4be2-8F04-BA451C77F1D7}">
-              <ma14:placeholderFlag xmlns="" xmlns:ma14="http://schemas.microsoft.com/office/mac/drawingml/2011/main" val="1"/>
+              <ma14:placeholderFlag xmlns:ma14="http://schemas.microsoft.com/office/mac/drawingml/2011/main" xmlns="" val="1"/>
             </a:ext>
           </a:extLst>
         </p:spPr>
@@ -45828,60 +45828,6 @@
       </p:grpSpPr>
       <p:sp>
         <p:nvSpPr>
-          <p:cNvPr id="1377" name="Google Shape;1377;p1"/>
-          <p:cNvSpPr txBox="1">
-            <a:spLocks noGrp="1"/>
-          </p:cNvSpPr>
-          <p:nvPr>
-            <p:ph type="body" idx="2"/>
-          </p:nvPr>
-        </p:nvSpPr>
-        <p:spPr>
-          <a:xfrm>
-            <a:off x="619125" y="4923024"/>
-            <a:ext cx="7304088" cy="384175"/>
-          </a:xfrm>
-          <a:prstGeom prst="rect">
-            <a:avLst/>
-          </a:prstGeom>
-          <a:noFill/>
-          <a:ln>
-            <a:noFill/>
-          </a:ln>
-        </p:spPr>
-        <p:txBody>
-          <a:bodyPr spcFirstLastPara="1" wrap="square" lIns="0" tIns="0" rIns="0" bIns="0" anchor="t" anchorCtr="0">
-            <a:noAutofit/>
-          </a:bodyPr>
-          <a:lstStyle/>
-          <a:p>
-            <a:pPr marL="0" lvl="0" indent="0" algn="l" rtl="0">
-              <a:spcBef>
-                <a:spcPts val="0"/>
-              </a:spcBef>
-              <a:spcAft>
-                <a:spcPts val="0"/>
-              </a:spcAft>
-              <a:buClr>
-                <a:schemeClr val="lt1"/>
-              </a:buClr>
-              <a:buSzPts val="2000"/>
-              <a:buNone/>
-            </a:pPr>
-            <a:r>
-              <a:rPr lang="en-US" sz="1800" dirty="0" smtClean="0"/>
-              <a:t>October </a:t>
-            </a:r>
-            <a:r>
-              <a:rPr lang="en-US" sz="1800" dirty="0" smtClean="0"/>
-              <a:t>2024</a:t>
-            </a:r>
-            <a:endParaRPr sz="1800" dirty="0"/>
-          </a:p>
-        </p:txBody>
-      </p:sp>
-      <p:sp>
-        <p:nvSpPr>
           <p:cNvPr id="1378" name="Google Shape;1378;p1"/>
           <p:cNvSpPr txBox="1">
             <a:spLocks noGrp="1"/>
@@ -45932,14 +45878,6 @@
                 </a:solidFill>
               </a:rPr>
               <a:t>DE Manager</a:t>
-            </a:r>
-            <a:r>
-              <a:rPr lang="en-US" sz="4267" dirty="0" smtClean="0">
-                <a:solidFill>
-                  <a:schemeClr val="accent5"/>
-                </a:solidFill>
-              </a:rPr>
-              <a:t/>
             </a:r>
             <a:br>
               <a:rPr lang="en-US" sz="4267" dirty="0" smtClean="0">
